--- a/Documents/Project DM and ML Group Orange.pptx
+++ b/Documents/Project DM and ML Group Orange.pptx
@@ -4853,39 +4853,6 @@
         </a:p>
       </dgm:t>
     </dgm:pt>
-    <dgm:pt modelId="{8D7F3198-29CB-41E5-B72B-D9B7085CC99B}">
-      <dgm:prSet/>
-      <dgm:spPr/>
-      <dgm:t>
-        <a:bodyPr/>
-        <a:lstStyle/>
-        <a:p>
-          <a:endParaRPr lang="fr-FR" dirty="0"/>
-        </a:p>
-      </dgm:t>
-    </dgm:pt>
-    <dgm:pt modelId="{C59425AF-BE4A-4634-AD9E-295EF7B466D6}" type="parTrans" cxnId="{6C7692EE-0656-424A-95FB-AC624E4E4619}">
-      <dgm:prSet/>
-      <dgm:spPr/>
-      <dgm:t>
-        <a:bodyPr/>
-        <a:lstStyle/>
-        <a:p>
-          <a:endParaRPr lang="fr-FR"/>
-        </a:p>
-      </dgm:t>
-    </dgm:pt>
-    <dgm:pt modelId="{069D5B0A-64A5-428C-B6D1-75B0BFA661D8}" type="sibTrans" cxnId="{6C7692EE-0656-424A-95FB-AC624E4E4619}">
-      <dgm:prSet/>
-      <dgm:spPr/>
-      <dgm:t>
-        <a:bodyPr/>
-        <a:lstStyle/>
-        <a:p>
-          <a:endParaRPr lang="fr-FR"/>
-        </a:p>
-      </dgm:t>
-    </dgm:pt>
     <dgm:pt modelId="{60410491-442B-4F3F-B7EB-CCCFF694F8A6}">
       <dgm:prSet/>
       <dgm:spPr/>
@@ -4893,6 +4860,22 @@
         <a:bodyPr/>
         <a:lstStyle/>
         <a:p>
+          <a:pPr>
+            <a:buFont typeface="Arial" panose="020B0604020202020204" pitchFamily="34" charset="0"/>
+            <a:buChar char="•"/>
+          </a:pPr>
+          <a:r>
+            <a:rPr lang="fr-FR" b="0" i="0" dirty="0" err="1"/>
+            <a:t>testing</a:t>
+          </a:r>
+          <a:r>
+            <a:rPr lang="fr-FR" b="0" i="0" dirty="0"/>
+            <a:t> new </a:t>
+          </a:r>
+          <a:r>
+            <a:rPr lang="fr-FR" b="0" i="0" dirty="0" err="1"/>
+            <a:t>stopwords</a:t>
+          </a:r>
           <a:endParaRPr lang="fr-FR" dirty="0"/>
         </a:p>
       </dgm:t>
@@ -4919,18 +4902,25 @@
         </a:p>
       </dgm:t>
     </dgm:pt>
-    <dgm:pt modelId="{3D5A6E36-B3B1-4B43-8214-216593F39E94}">
+    <dgm:pt modelId="{223A6CA5-AA37-429C-BDDF-97F67AD120E5}">
       <dgm:prSet/>
       <dgm:spPr/>
       <dgm:t>
         <a:bodyPr/>
         <a:lstStyle/>
         <a:p>
-          <a:endParaRPr lang="fr-FR" dirty="0"/>
+          <a:pPr>
+            <a:buFont typeface="Arial" panose="020B0604020202020204" pitchFamily="34" charset="0"/>
+            <a:buChar char="•"/>
+          </a:pPr>
+          <a:r>
+            <a:rPr lang="en-US" b="0" i="0"/>
+            <a:t>reorganisation and presentation of the code</a:t>
+          </a:r>
         </a:p>
       </dgm:t>
     </dgm:pt>
-    <dgm:pt modelId="{16806100-1BED-4D59-A68D-95D75C990FC8}" type="parTrans" cxnId="{06499CF5-879F-41F1-A212-535F79E79B11}">
+    <dgm:pt modelId="{1D213BFF-9551-4941-9FA0-B511168808D1}" type="parTrans" cxnId="{E00ED3DF-E600-4683-B790-D96AB1D656D7}">
       <dgm:prSet/>
       <dgm:spPr/>
       <dgm:t>
@@ -4941,7 +4931,7 @@
         </a:p>
       </dgm:t>
     </dgm:pt>
-    <dgm:pt modelId="{C4C65DDD-2847-4738-8C53-5D8E165D6EB3}" type="sibTrans" cxnId="{06499CF5-879F-41F1-A212-535F79E79B11}">
+    <dgm:pt modelId="{6BB19A8D-7D2B-4285-A086-4E356EC40B04}" type="sibTrans" cxnId="{E00ED3DF-E600-4683-B790-D96AB1D656D7}">
       <dgm:prSet/>
       <dgm:spPr/>
       <dgm:t>
@@ -4952,18 +4942,25 @@
         </a:p>
       </dgm:t>
     </dgm:pt>
-    <dgm:pt modelId="{278E0D9D-6577-4CFA-ABBF-BCA4880491BC}">
+    <dgm:pt modelId="{5BC574B9-2BCD-4233-B55A-4CED8EDB7DC6}">
       <dgm:prSet/>
       <dgm:spPr/>
       <dgm:t>
         <a:bodyPr/>
         <a:lstStyle/>
         <a:p>
-          <a:endParaRPr lang="fr-FR" dirty="0"/>
+          <a:pPr>
+            <a:buFont typeface="Arial" panose="020B0604020202020204" pitchFamily="34" charset="0"/>
+            <a:buChar char="•"/>
+          </a:pPr>
+          <a:r>
+            <a:rPr lang="en-US" b="0" i="0"/>
+            <a:t>testing dimension reduction and features engineering</a:t>
+          </a:r>
         </a:p>
       </dgm:t>
     </dgm:pt>
-    <dgm:pt modelId="{8F201C8D-5EFF-422A-93EB-C4BB1A0FAAE9}" type="parTrans" cxnId="{51821225-8D29-4CA3-A2FD-B8B31FEBBFA2}">
+    <dgm:pt modelId="{CBB01F0D-1AD8-4A9B-B8C1-56B917EBEDEB}" type="parTrans" cxnId="{CC0FC872-3E84-47E3-95A2-CE75081306B6}">
       <dgm:prSet/>
       <dgm:spPr/>
       <dgm:t>
@@ -4974,7 +4971,7 @@
         </a:p>
       </dgm:t>
     </dgm:pt>
-    <dgm:pt modelId="{F721D75E-1F03-4023-90EB-E8A6DDF4AC1F}" type="sibTrans" cxnId="{51821225-8D29-4CA3-A2FD-B8B31FEBBFA2}">
+    <dgm:pt modelId="{A481EE80-60EC-441E-B4B0-683F0C5C27A8}" type="sibTrans" cxnId="{CC0FC872-3E84-47E3-95A2-CE75081306B6}">
       <dgm:prSet/>
       <dgm:spPr/>
       <dgm:t>
@@ -4985,18 +4982,25 @@
         </a:p>
       </dgm:t>
     </dgm:pt>
-    <dgm:pt modelId="{5A086411-002F-4E53-9C18-788A339F90B7}">
+    <dgm:pt modelId="{4978F483-16F4-49B6-AD13-897E1000AA81}">
       <dgm:prSet/>
       <dgm:spPr/>
       <dgm:t>
         <a:bodyPr/>
         <a:lstStyle/>
         <a:p>
-          <a:endParaRPr lang="fr-FR" dirty="0"/>
+          <a:pPr>
+            <a:buFont typeface="Arial" panose="020B0604020202020204" pitchFamily="34" charset="0"/>
+            <a:buChar char="•"/>
+          </a:pPr>
+          <a:r>
+            <a:rPr lang="en-US" b="0" i="0" dirty="0"/>
+            <a:t>testing NLTK and Doc2Wword instead of TF-IDF</a:t>
+          </a:r>
         </a:p>
       </dgm:t>
     </dgm:pt>
-    <dgm:pt modelId="{90E17040-B94D-4107-ACAD-5D64A26450BD}" type="parTrans" cxnId="{579FA789-B453-4591-83DE-E7415654A766}">
+    <dgm:pt modelId="{331B8790-DD1F-4985-A9A4-7FFDDE29D473}" type="parTrans" cxnId="{01810195-A2B1-423C-9A62-25C2C10BD226}">
       <dgm:prSet/>
       <dgm:spPr/>
       <dgm:t>
@@ -5007,7 +5011,47 @@
         </a:p>
       </dgm:t>
     </dgm:pt>
-    <dgm:pt modelId="{F3B09772-454C-40D2-A0AE-3141A00EB187}" type="sibTrans" cxnId="{579FA789-B453-4591-83DE-E7415654A766}">
+    <dgm:pt modelId="{DE4938F5-57B2-414F-86C5-C47B1B98C59A}" type="sibTrans" cxnId="{01810195-A2B1-423C-9A62-25C2C10BD226}">
+      <dgm:prSet/>
+      <dgm:spPr/>
+      <dgm:t>
+        <a:bodyPr/>
+        <a:lstStyle/>
+        <a:p>
+          <a:endParaRPr lang="fr-FR"/>
+        </a:p>
+      </dgm:t>
+    </dgm:pt>
+    <dgm:pt modelId="{6C5634D9-6C8D-4944-A7DB-D9A9718D7BAB}">
+      <dgm:prSet/>
+      <dgm:spPr/>
+      <dgm:t>
+        <a:bodyPr/>
+        <a:lstStyle/>
+        <a:p>
+          <a:pPr>
+            <a:buFont typeface="Arial" panose="020B0604020202020204" pitchFamily="34" charset="0"/>
+            <a:buChar char="•"/>
+          </a:pPr>
+          <a:r>
+            <a:rPr lang="en-US" b="0" i="0" dirty="0"/>
+            <a:t>creation of the support for the presentation</a:t>
+          </a:r>
+        </a:p>
+      </dgm:t>
+    </dgm:pt>
+    <dgm:pt modelId="{BDC3CCC5-7251-4982-81D4-06B419ADC211}" type="parTrans" cxnId="{8E63599B-2C28-4635-9715-842FB060CA0C}">
+      <dgm:prSet/>
+      <dgm:spPr/>
+      <dgm:t>
+        <a:bodyPr/>
+        <a:lstStyle/>
+        <a:p>
+          <a:endParaRPr lang="fr-FR"/>
+        </a:p>
+      </dgm:t>
+    </dgm:pt>
+    <dgm:pt modelId="{06152182-39A5-4005-A6D2-E7FAB81096D6}" type="sibTrans" cxnId="{8E63599B-2C28-4635-9715-842FB060CA0C}">
       <dgm:prSet/>
       <dgm:spPr/>
       <dgm:t>
@@ -5081,34 +5125,34 @@
   </dgm:ptLst>
   <dgm:cxnLst>
     <dgm:cxn modelId="{E5429E01-ED3A-4A52-A3E1-6A145F03F70F}" srcId="{787D0B40-6F6C-4308-9B5F-97550195B42C}" destId="{60410491-442B-4F3F-B7EB-CCCFF694F8A6}" srcOrd="0" destOrd="0" parTransId="{ED51543C-0DCD-488A-826D-F94D5DA6AC7C}" sibTransId="{8B82045E-9A44-44F7-AE79-D8F1210B330F}"/>
-    <dgm:cxn modelId="{7EAC1802-E06C-4065-B6B8-CA7018657809}" type="presOf" srcId="{3D5A6E36-B3B1-4B43-8214-216593F39E94}" destId="{6977BCFD-36ED-4B1A-A6C3-937ACBC716F2}" srcOrd="0" destOrd="1" presId="urn:microsoft.com/office/officeart/2005/8/layout/vList2"/>
     <dgm:cxn modelId="{E5C73005-CC80-44AD-950B-6822157F07E8}" type="presOf" srcId="{09B9D542-3469-4AB8-992E-DD651B4A8D64}" destId="{28C77838-43D1-4BB1-8E76-ED5D34F22181}" srcOrd="0" destOrd="1" presId="urn:microsoft.com/office/officeart/2005/8/layout/vList2"/>
     <dgm:cxn modelId="{A8C4DE09-D6B3-40CC-8B9B-41F8A69895EC}" type="presOf" srcId="{58EBCC9F-6DA2-425E-A0D9-8F0BA597143A}" destId="{28C77838-43D1-4BB1-8E76-ED5D34F22181}" srcOrd="0" destOrd="2" presId="urn:microsoft.com/office/officeart/2005/8/layout/vList2"/>
-    <dgm:cxn modelId="{0541C40F-9C82-4886-92DA-B62C559C9053}" type="presOf" srcId="{278E0D9D-6577-4CFA-ABBF-BCA4880491BC}" destId="{6977BCFD-36ED-4B1A-A6C3-937ACBC716F2}" srcOrd="0" destOrd="2" presId="urn:microsoft.com/office/officeart/2005/8/layout/vList2"/>
     <dgm:cxn modelId="{FDACE815-14F4-4E80-81E3-2CBEBAC616AE}" srcId="{88A1DE4D-4C6A-467B-ABD0-33225D2ECFC4}" destId="{58EBCC9F-6DA2-425E-A0D9-8F0BA597143A}" srcOrd="2" destOrd="0" parTransId="{9813B379-29C3-4FBD-B5C8-8A3CE716C4CB}" sibTransId="{3D351521-8A68-415C-A84E-774C6ED831FE}"/>
     <dgm:cxn modelId="{62537917-8765-4CE3-84A7-C716814B4CB9}" type="presOf" srcId="{B51CFCD6-C118-48FE-8538-C91DBD3FED56}" destId="{4436AF47-FEDA-49BC-B278-D93D508108AC}" srcOrd="0" destOrd="1" presId="urn:microsoft.com/office/officeart/2005/8/layout/vList2"/>
     <dgm:cxn modelId="{BB6D4B1C-1712-4F4B-A229-D0D7647D6C6C}" type="presOf" srcId="{8785E0DA-6AD7-492E-8B8A-F84D564C7F01}" destId="{4436AF47-FEDA-49BC-B278-D93D508108AC}" srcOrd="0" destOrd="3" presId="urn:microsoft.com/office/officeart/2005/8/layout/vList2"/>
+    <dgm:cxn modelId="{61126E20-C13B-48F3-AB49-990859A2B747}" type="presOf" srcId="{5BC574B9-2BCD-4233-B55A-4CED8EDB7DC6}" destId="{6977BCFD-36ED-4B1A-A6C3-937ACBC716F2}" srcOrd="0" destOrd="2" presId="urn:microsoft.com/office/officeart/2005/8/layout/vList2"/>
     <dgm:cxn modelId="{76EFB324-611C-4D67-AED1-F04708321674}" srcId="{50BCA503-149C-4320-AAAF-7B1FB8C661D0}" destId="{31297B49-D4E6-4E24-BE80-8D38DB54F68F}" srcOrd="0" destOrd="0" parTransId="{20AF1B63-8526-40ED-B0AD-8011CD5F0AC3}" sibTransId="{EACBB67B-6E64-4A6B-B153-7B9EACEE6D56}"/>
-    <dgm:cxn modelId="{51821225-8D29-4CA3-A2FD-B8B31FEBBFA2}" srcId="{787D0B40-6F6C-4308-9B5F-97550195B42C}" destId="{278E0D9D-6577-4CFA-ABBF-BCA4880491BC}" srcOrd="2" destOrd="0" parTransId="{8F201C8D-5EFF-422A-93EB-C4BB1A0FAAE9}" sibTransId="{F721D75E-1F03-4023-90EB-E8A6DDF4AC1F}"/>
     <dgm:cxn modelId="{5167592C-88A9-4BC0-A520-082CEEA6DA92}" srcId="{88A1DE4D-4C6A-467B-ABD0-33225D2ECFC4}" destId="{09B9D542-3469-4AB8-992E-DD651B4A8D64}" srcOrd="1" destOrd="0" parTransId="{12B95C8B-4956-4EB3-A799-F98928BD7EC9}" sibTransId="{20F9EAEF-145E-46A2-9A2D-62C234BE80A6}"/>
     <dgm:cxn modelId="{4BE15A3D-12EF-4CE8-881C-949A4529FD83}" type="presOf" srcId="{233C0CCB-66FF-41E3-89A1-D963A69833C2}" destId="{4436AF47-FEDA-49BC-B278-D93D508108AC}" srcOrd="0" destOrd="2" presId="urn:microsoft.com/office/officeart/2005/8/layout/vList2"/>
     <dgm:cxn modelId="{1874375B-3090-4C90-9730-0478BA188C7D}" type="presOf" srcId="{31297B49-D4E6-4E24-BE80-8D38DB54F68F}" destId="{4436AF47-FEDA-49BC-B278-D93D508108AC}" srcOrd="0" destOrd="0" presId="urn:microsoft.com/office/officeart/2005/8/layout/vList2"/>
     <dgm:cxn modelId="{D884A066-175B-4498-847C-01A1EE7D3C91}" type="presOf" srcId="{5B4EF09F-2A5B-46DB-BCE6-4FA7635499FB}" destId="{28C77838-43D1-4BB1-8E76-ED5D34F22181}" srcOrd="0" destOrd="0" presId="urn:microsoft.com/office/officeart/2005/8/layout/vList2"/>
-    <dgm:cxn modelId="{E30E5247-30EC-42A3-B9B9-11610C5E1D08}" type="presOf" srcId="{8D7F3198-29CB-41E5-B72B-D9B7085CC99B}" destId="{6977BCFD-36ED-4B1A-A6C3-937ACBC716F2}" srcOrd="0" destOrd="4" presId="urn:microsoft.com/office/officeart/2005/8/layout/vList2"/>
     <dgm:cxn modelId="{2FA3F250-7D07-4051-ACDE-16856CF0E1FA}" type="presOf" srcId="{50BCA503-149C-4320-AAAF-7B1FB8C661D0}" destId="{4D0C06B1-D23C-40FE-BD99-E9DFEA13EFF3}" srcOrd="0" destOrd="0" presId="urn:microsoft.com/office/officeart/2005/8/layout/vList2"/>
+    <dgm:cxn modelId="{CC0FC872-3E84-47E3-95A2-CE75081306B6}" srcId="{787D0B40-6F6C-4308-9B5F-97550195B42C}" destId="{5BC574B9-2BCD-4233-B55A-4CED8EDB7DC6}" srcOrd="2" destOrd="0" parTransId="{CBB01F0D-1AD8-4A9B-B8C1-56B917EBEDEB}" sibTransId="{A481EE80-60EC-441E-B4B0-683F0C5C27A8}"/>
     <dgm:cxn modelId="{700C8454-7B01-4777-BAD3-9F024C2DE4C7}" type="presOf" srcId="{60410491-442B-4F3F-B7EB-CCCFF694F8A6}" destId="{6977BCFD-36ED-4B1A-A6C3-937ACBC716F2}" srcOrd="0" destOrd="0" presId="urn:microsoft.com/office/officeart/2005/8/layout/vList2"/>
     <dgm:cxn modelId="{A6568478-56D0-4A48-A796-FA4E8D66BFD7}" srcId="{1E037515-07C5-4168-A75E-34C1D7751F6E}" destId="{787D0B40-6F6C-4308-9B5F-97550195B42C}" srcOrd="2" destOrd="0" parTransId="{985B7206-4023-462F-A365-819FC45B9E4A}" sibTransId="{5D82FC1D-7F6D-444E-AF44-104F507E7167}"/>
+    <dgm:cxn modelId="{D090825A-B3F5-4D44-842B-C21EDDC755E7}" type="presOf" srcId="{6C5634D9-6C8D-4944-A7DB-D9A9718D7BAB}" destId="{6977BCFD-36ED-4B1A-A6C3-937ACBC716F2}" srcOrd="0" destOrd="4" presId="urn:microsoft.com/office/officeart/2005/8/layout/vList2"/>
     <dgm:cxn modelId="{3D795986-8870-426B-A4DB-A532FED20ED0}" type="presOf" srcId="{787D0B40-6F6C-4308-9B5F-97550195B42C}" destId="{8E0F966D-7CA3-4AFB-A3C9-D96D95EB644D}" srcOrd="0" destOrd="0" presId="urn:microsoft.com/office/officeart/2005/8/layout/vList2"/>
-    <dgm:cxn modelId="{579FA789-B453-4591-83DE-E7415654A766}" srcId="{787D0B40-6F6C-4308-9B5F-97550195B42C}" destId="{5A086411-002F-4E53-9C18-788A339F90B7}" srcOrd="3" destOrd="0" parTransId="{90E17040-B94D-4107-ACAD-5D64A26450BD}" sibTransId="{F3B09772-454C-40D2-A0AE-3141A00EB187}"/>
+    <dgm:cxn modelId="{293BF089-FABA-4D17-A9AF-B7AA1E9350AA}" type="presOf" srcId="{223A6CA5-AA37-429C-BDDF-97F67AD120E5}" destId="{6977BCFD-36ED-4B1A-A6C3-937ACBC716F2}" srcOrd="0" destOrd="1" presId="urn:microsoft.com/office/officeart/2005/8/layout/vList2"/>
+    <dgm:cxn modelId="{01810195-A2B1-423C-9A62-25C2C10BD226}" srcId="{787D0B40-6F6C-4308-9B5F-97550195B42C}" destId="{4978F483-16F4-49B6-AD13-897E1000AA81}" srcOrd="3" destOrd="0" parTransId="{331B8790-DD1F-4985-A9A4-7FFDDE29D473}" sibTransId="{DE4938F5-57B2-414F-86C5-C47B1B98C59A}"/>
     <dgm:cxn modelId="{6BFD5998-F6C9-4961-9A8E-A9971B15A5BC}" srcId="{50BCA503-149C-4320-AAAF-7B1FB8C661D0}" destId="{8785E0DA-6AD7-492E-8B8A-F84D564C7F01}" srcOrd="3" destOrd="0" parTransId="{E27EEAC1-4813-412E-9369-C4A068C80A15}" sibTransId="{8ACBC501-45BF-4FA8-A9E4-CEAE2C36FD09}"/>
+    <dgm:cxn modelId="{8E63599B-2C28-4635-9715-842FB060CA0C}" srcId="{787D0B40-6F6C-4308-9B5F-97550195B42C}" destId="{6C5634D9-6C8D-4944-A7DB-D9A9718D7BAB}" srcOrd="4" destOrd="0" parTransId="{BDC3CCC5-7251-4982-81D4-06B419ADC211}" sibTransId="{06152182-39A5-4005-A6D2-E7FAB81096D6}"/>
     <dgm:cxn modelId="{1AF308A3-792E-49F4-AD56-5899133440C8}" srcId="{50BCA503-149C-4320-AAAF-7B1FB8C661D0}" destId="{233C0CCB-66FF-41E3-89A1-D963A69833C2}" srcOrd="2" destOrd="0" parTransId="{BCC8A2F7-3092-41F7-862C-3B01BD3D7F50}" sibTransId="{721DB45D-717F-43AF-86D6-01E646FDA588}"/>
-    <dgm:cxn modelId="{E9734EA4-F9E9-4E2A-91BA-27E1C4811C67}" type="presOf" srcId="{5A086411-002F-4E53-9C18-788A339F90B7}" destId="{6977BCFD-36ED-4B1A-A6C3-937ACBC716F2}" srcOrd="0" destOrd="3" presId="urn:microsoft.com/office/officeart/2005/8/layout/vList2"/>
     <dgm:cxn modelId="{6BBF8DBC-D044-40E7-9C37-A89C18363960}" srcId="{1E037515-07C5-4168-A75E-34C1D7751F6E}" destId="{50BCA503-149C-4320-AAAF-7B1FB8C661D0}" srcOrd="1" destOrd="0" parTransId="{8DAC47DB-1830-41E6-85B2-34EFB795C13D}" sibTransId="{B2933973-D665-40BF-BD7F-280427B3FA84}"/>
     <dgm:cxn modelId="{7FB5F3BC-6AB4-48AF-BDF8-3AD182C8BC0F}" srcId="{50BCA503-149C-4320-AAAF-7B1FB8C661D0}" destId="{B51CFCD6-C118-48FE-8538-C91DBD3FED56}" srcOrd="1" destOrd="0" parTransId="{FA5E062A-1933-4360-8646-2164BE8E4917}" sibTransId="{251FC67F-4CAD-4D6C-8B00-87D8BFA7C983}"/>
+    <dgm:cxn modelId="{8DC1D7C2-F852-4811-B132-35D64AD94584}" type="presOf" srcId="{4978F483-16F4-49B6-AD13-897E1000AA81}" destId="{6977BCFD-36ED-4B1A-A6C3-937ACBC716F2}" srcOrd="0" destOrd="3" presId="urn:microsoft.com/office/officeart/2005/8/layout/vList2"/>
     <dgm:cxn modelId="{565C8ADA-2BC9-457F-986B-04FF5B316EBB}" type="presOf" srcId="{88A1DE4D-4C6A-467B-ABD0-33225D2ECFC4}" destId="{F72F878A-F66B-4A45-995C-D5ABF107B573}" srcOrd="0" destOrd="0" presId="urn:microsoft.com/office/officeart/2005/8/layout/vList2"/>
+    <dgm:cxn modelId="{E00ED3DF-E600-4683-B790-D96AB1D656D7}" srcId="{787D0B40-6F6C-4308-9B5F-97550195B42C}" destId="{223A6CA5-AA37-429C-BDDF-97F67AD120E5}" srcOrd="1" destOrd="0" parTransId="{1D213BFF-9551-4941-9FA0-B511168808D1}" sibTransId="{6BB19A8D-7D2B-4285-A086-4E356EC40B04}"/>
     <dgm:cxn modelId="{B0D81EEC-B802-40F1-A17D-E3F9126A070A}" type="presOf" srcId="{1E037515-07C5-4168-A75E-34C1D7751F6E}" destId="{A50C227B-4A9D-446E-9132-48BEEA1A869B}" srcOrd="0" destOrd="0" presId="urn:microsoft.com/office/officeart/2005/8/layout/vList2"/>
-    <dgm:cxn modelId="{6C7692EE-0656-424A-95FB-AC624E4E4619}" srcId="{787D0B40-6F6C-4308-9B5F-97550195B42C}" destId="{8D7F3198-29CB-41E5-B72B-D9B7085CC99B}" srcOrd="4" destOrd="0" parTransId="{C59425AF-BE4A-4634-AD9E-295EF7B466D6}" sibTransId="{069D5B0A-64A5-428C-B6D1-75B0BFA661D8}"/>
-    <dgm:cxn modelId="{06499CF5-879F-41F1-A212-535F79E79B11}" srcId="{787D0B40-6F6C-4308-9B5F-97550195B42C}" destId="{3D5A6E36-B3B1-4B43-8214-216593F39E94}" srcOrd="1" destOrd="0" parTransId="{16806100-1BED-4D59-A68D-95D75C990FC8}" sibTransId="{C4C65DDD-2847-4738-8C53-5D8E165D6EB3}"/>
     <dgm:cxn modelId="{8564A4FD-3D5A-4115-AAEB-7F4B2EC83FE6}" srcId="{1E037515-07C5-4168-A75E-34C1D7751F6E}" destId="{88A1DE4D-4C6A-467B-ABD0-33225D2ECFC4}" srcOrd="0" destOrd="0" parTransId="{3CE04E81-D22F-4978-87C0-1334FE3FF820}" sibTransId="{5A96DC1F-B763-4241-A76C-0E47DBD36C08}"/>
     <dgm:cxn modelId="{871B39FE-C075-4150-98D2-F434A398CC4C}" srcId="{88A1DE4D-4C6A-467B-ABD0-33225D2ECFC4}" destId="{5B4EF09F-2A5B-46DB-BCE6-4FA7635499FB}" srcOrd="0" destOrd="0" parTransId="{CB8084F7-957A-4AB2-BEEA-C91C9A65F1C9}" sibTransId="{B3D702E7-1B41-41C7-BEC8-711941E6B25A}"/>
     <dgm:cxn modelId="{22E5F389-33ED-4B98-8E90-7AFC3DAD8B7D}" type="presParOf" srcId="{A50C227B-4A9D-446E-9132-48BEEA1A869B}" destId="{F72F878A-F66B-4A45-995C-D5ABF107B573}" srcOrd="0" destOrd="0" presId="urn:microsoft.com/office/officeart/2005/8/layout/vList2"/>
@@ -6150,8 +6194,8 @@
       </dsp:nvSpPr>
       <dsp:spPr>
         <a:xfrm>
-          <a:off x="0" y="11605"/>
-          <a:ext cx="10515600" cy="579150"/>
+          <a:off x="0" y="72345"/>
+          <a:ext cx="10515600" cy="575639"/>
         </a:xfrm>
         <a:prstGeom prst="roundRect">
           <a:avLst/>
@@ -6217,8 +6261,8 @@
         </a:p>
       </dsp:txBody>
       <dsp:txXfrm>
-        <a:off x="28272" y="39877"/>
-        <a:ext cx="10459056" cy="522606"/>
+        <a:off x="28100" y="100445"/>
+        <a:ext cx="10459400" cy="519439"/>
       </dsp:txXfrm>
     </dsp:sp>
     <dsp:sp modelId="{28C77838-43D1-4BB1-8E76-ED5D34F22181}">
@@ -6228,8 +6272,8 @@
       </dsp:nvSpPr>
       <dsp:spPr>
         <a:xfrm>
-          <a:off x="0" y="590755"/>
-          <a:ext cx="10515600" cy="1024650"/>
+          <a:off x="0" y="647985"/>
+          <a:ext cx="10515600" cy="1018440"/>
         </a:xfrm>
         <a:prstGeom prst="rect">
           <a:avLst/>
@@ -6354,8 +6398,8 @@
         </a:p>
       </dsp:txBody>
       <dsp:txXfrm>
-        <a:off x="0" y="590755"/>
-        <a:ext cx="10515600" cy="1024650"/>
+        <a:off x="0" y="647985"/>
+        <a:ext cx="10515600" cy="1018440"/>
       </dsp:txXfrm>
     </dsp:sp>
     <dsp:sp modelId="{4D0C06B1-D23C-40FE-BD99-E9DFEA13EFF3}">
@@ -6365,8 +6409,8 @@
       </dsp:nvSpPr>
       <dsp:spPr>
         <a:xfrm>
-          <a:off x="0" y="1615406"/>
-          <a:ext cx="10515600" cy="579150"/>
+          <a:off x="0" y="1666425"/>
+          <a:ext cx="10515600" cy="575639"/>
         </a:xfrm>
         <a:prstGeom prst="roundRect">
           <a:avLst/>
@@ -6432,8 +6476,8 @@
         </a:p>
       </dsp:txBody>
       <dsp:txXfrm>
-        <a:off x="28272" y="1643678"/>
-        <a:ext cx="10459056" cy="522606"/>
+        <a:off x="28100" y="1694525"/>
+        <a:ext cx="10459400" cy="519439"/>
       </dsp:txXfrm>
     </dsp:sp>
     <dsp:sp modelId="{4436AF47-FEDA-49BC-B278-D93D508108AC}">
@@ -6443,7 +6487,7 @@
       </dsp:nvSpPr>
       <dsp:spPr>
         <a:xfrm>
-          <a:off x="0" y="2194556"/>
+          <a:off x="0" y="2242065"/>
           <a:ext cx="10515600" cy="1366200"/>
         </a:xfrm>
         <a:prstGeom prst="rect">
@@ -6567,7 +6611,7 @@
         </a:p>
       </dsp:txBody>
       <dsp:txXfrm>
-        <a:off x="0" y="2194556"/>
+        <a:off x="0" y="2242065"/>
         <a:ext cx="10515600" cy="1366200"/>
       </dsp:txXfrm>
     </dsp:sp>
@@ -6578,8 +6622,8 @@
       </dsp:nvSpPr>
       <dsp:spPr>
         <a:xfrm>
-          <a:off x="0" y="3560756"/>
-          <a:ext cx="10515600" cy="579150"/>
+          <a:off x="0" y="3608265"/>
+          <a:ext cx="10515600" cy="575639"/>
         </a:xfrm>
         <a:prstGeom prst="roundRect">
           <a:avLst/>
@@ -6621,12 +6665,12 @@
         </a:fontRef>
       </dsp:style>
       <dsp:txBody>
-        <a:bodyPr spcFirstLastPara="0" vert="horz" wrap="square" lIns="83820" tIns="83820" rIns="83820" bIns="83820" numCol="1" spcCol="1270" anchor="ctr" anchorCtr="0">
+        <a:bodyPr spcFirstLastPara="0" vert="horz" wrap="square" lIns="91440" tIns="91440" rIns="91440" bIns="91440" numCol="1" spcCol="1270" anchor="ctr" anchorCtr="0">
           <a:noAutofit/>
         </a:bodyPr>
         <a:lstStyle/>
         <a:p>
-          <a:pPr marL="0" lvl="0" indent="0" algn="l" defTabSz="977900">
+          <a:pPr marL="0" lvl="0" indent="0" algn="l" defTabSz="1066800">
             <a:lnSpc>
               <a:spcPct val="90000"/>
             </a:lnSpc>
@@ -6639,14 +6683,14 @@
             <a:buNone/>
           </a:pPr>
           <a:r>
-            <a:rPr lang="fr-FR" sz="2200" kern="1200" dirty="0"/>
+            <a:rPr lang="fr-FR" sz="2400" kern="1200" dirty="0"/>
             <a:t>Week 5 :</a:t>
           </a:r>
         </a:p>
       </dsp:txBody>
       <dsp:txXfrm>
-        <a:off x="28272" y="3589028"/>
-        <a:ext cx="10459056" cy="522606"/>
+        <a:off x="28100" y="3636365"/>
+        <a:ext cx="10459400" cy="519439"/>
       </dsp:txXfrm>
     </dsp:sp>
     <dsp:sp modelId="{6977BCFD-36ED-4B1A-A6C3-937ACBC716F2}">
@@ -6656,8 +6700,8 @@
       </dsp:nvSpPr>
       <dsp:spPr>
         <a:xfrm>
-          <a:off x="0" y="4139906"/>
-          <a:ext cx="10515600" cy="1457280"/>
+          <a:off x="0" y="4183905"/>
+          <a:ext cx="10515600" cy="1639440"/>
         </a:xfrm>
         <a:prstGeom prst="rect">
           <a:avLst/>
@@ -6681,12 +6725,12 @@
         <a:fontRef idx="minor"/>
       </dsp:style>
       <dsp:txBody>
-        <a:bodyPr spcFirstLastPara="0" vert="horz" wrap="square" lIns="333870" tIns="27940" rIns="156464" bIns="27940" numCol="1" spcCol="1270" anchor="t" anchorCtr="0">
+        <a:bodyPr spcFirstLastPara="0" vert="horz" wrap="square" lIns="333870" tIns="30480" rIns="170688" bIns="30480" numCol="1" spcCol="1270" anchor="t" anchorCtr="0">
           <a:noAutofit/>
         </a:bodyPr>
         <a:lstStyle/>
         <a:p>
-          <a:pPr marL="171450" lvl="1" indent="-171450" algn="l" defTabSz="755650">
+          <a:pPr marL="171450" lvl="1" indent="-171450" algn="l" defTabSz="844550">
             <a:lnSpc>
               <a:spcPct val="90000"/>
             </a:lnSpc>
@@ -6696,12 +6740,25 @@
             <a:spcAft>
               <a:spcPct val="20000"/>
             </a:spcAft>
+            <a:buFont typeface="Arial" panose="020B0604020202020204" pitchFamily="34" charset="0"/>
             <a:buChar char="•"/>
           </a:pPr>
-          <a:endParaRPr lang="fr-FR" sz="1700" kern="1200" dirty="0"/>
+          <a:r>
+            <a:rPr lang="fr-FR" sz="1900" b="0" i="0" kern="1200" dirty="0" err="1"/>
+            <a:t>testing</a:t>
+          </a:r>
+          <a:r>
+            <a:rPr lang="fr-FR" sz="1900" b="0" i="0" kern="1200" dirty="0"/>
+            <a:t> new </a:t>
+          </a:r>
+          <a:r>
+            <a:rPr lang="fr-FR" sz="1900" b="0" i="0" kern="1200" dirty="0" err="1"/>
+            <a:t>stopwords</a:t>
+          </a:r>
+          <a:endParaRPr lang="fr-FR" sz="1900" kern="1200" dirty="0"/>
         </a:p>
         <a:p>
-          <a:pPr marL="171450" lvl="1" indent="-171450" algn="l" defTabSz="755650">
+          <a:pPr marL="171450" lvl="1" indent="-171450" algn="l" defTabSz="844550">
             <a:lnSpc>
               <a:spcPct val="90000"/>
             </a:lnSpc>
@@ -6711,12 +6768,16 @@
             <a:spcAft>
               <a:spcPct val="20000"/>
             </a:spcAft>
+            <a:buFont typeface="Arial" panose="020B0604020202020204" pitchFamily="34" charset="0"/>
             <a:buChar char="•"/>
           </a:pPr>
-          <a:endParaRPr lang="fr-FR" sz="1700" kern="1200" dirty="0"/>
+          <a:r>
+            <a:rPr lang="en-US" sz="1900" b="0" i="0" kern="1200"/>
+            <a:t>reorganisation and presentation of the code</a:t>
+          </a:r>
         </a:p>
         <a:p>
-          <a:pPr marL="171450" lvl="1" indent="-171450" algn="l" defTabSz="755650">
+          <a:pPr marL="171450" lvl="1" indent="-171450" algn="l" defTabSz="844550">
             <a:lnSpc>
               <a:spcPct val="90000"/>
             </a:lnSpc>
@@ -6726,12 +6787,16 @@
             <a:spcAft>
               <a:spcPct val="20000"/>
             </a:spcAft>
+            <a:buFont typeface="Arial" panose="020B0604020202020204" pitchFamily="34" charset="0"/>
             <a:buChar char="•"/>
           </a:pPr>
-          <a:endParaRPr lang="fr-FR" sz="1700" kern="1200" dirty="0"/>
+          <a:r>
+            <a:rPr lang="en-US" sz="1900" b="0" i="0" kern="1200"/>
+            <a:t>testing dimension reduction and features engineering</a:t>
+          </a:r>
         </a:p>
         <a:p>
-          <a:pPr marL="171450" lvl="1" indent="-171450" algn="l" defTabSz="755650">
+          <a:pPr marL="171450" lvl="1" indent="-171450" algn="l" defTabSz="844550">
             <a:lnSpc>
               <a:spcPct val="90000"/>
             </a:lnSpc>
@@ -6741,12 +6806,16 @@
             <a:spcAft>
               <a:spcPct val="20000"/>
             </a:spcAft>
+            <a:buFont typeface="Arial" panose="020B0604020202020204" pitchFamily="34" charset="0"/>
             <a:buChar char="•"/>
           </a:pPr>
-          <a:endParaRPr lang="fr-FR" sz="1700" kern="1200" dirty="0"/>
+          <a:r>
+            <a:rPr lang="en-US" sz="1900" b="0" i="0" kern="1200" dirty="0"/>
+            <a:t>testing NLTK and Doc2Wword instead of TF-IDF</a:t>
+          </a:r>
         </a:p>
         <a:p>
-          <a:pPr marL="171450" lvl="1" indent="-171450" algn="l" defTabSz="755650">
+          <a:pPr marL="171450" lvl="1" indent="-171450" algn="l" defTabSz="844550">
             <a:lnSpc>
               <a:spcPct val="90000"/>
             </a:lnSpc>
@@ -6756,14 +6825,18 @@
             <a:spcAft>
               <a:spcPct val="20000"/>
             </a:spcAft>
+            <a:buFont typeface="Arial" panose="020B0604020202020204" pitchFamily="34" charset="0"/>
             <a:buChar char="•"/>
           </a:pPr>
-          <a:endParaRPr lang="fr-FR" sz="1700" kern="1200" dirty="0"/>
+          <a:r>
+            <a:rPr lang="en-US" sz="1900" b="0" i="0" kern="1200" dirty="0"/>
+            <a:t>creation of the support for the presentation</a:t>
+          </a:r>
         </a:p>
       </dsp:txBody>
       <dsp:txXfrm>
-        <a:off x="0" y="4139906"/>
-        <a:ext cx="10515600" cy="1457280"/>
+        <a:off x="0" y="4183905"/>
+        <a:ext cx="10515600" cy="1639440"/>
       </dsp:txXfrm>
     </dsp:sp>
   </dsp:spTree>
@@ -17860,14 +17933,14 @@
             <p:ph idx="1"/>
             <p:extLst>
               <p:ext uri="{D42A27DB-BD31-4B8C-83A1-F6EECF244321}">
-                <p14:modId xmlns:p14="http://schemas.microsoft.com/office/powerpoint/2010/main" val="3709881483"/>
+                <p14:modId xmlns:p14="http://schemas.microsoft.com/office/powerpoint/2010/main" val="3179163732"/>
               </p:ext>
             </p:extLst>
           </p:nvPr>
         </p:nvGraphicFramePr>
         <p:xfrm>
           <a:off x="838200" y="568172"/>
-          <a:ext cx="10515600" cy="5608792"/>
+          <a:ext cx="10515600" cy="5895690"/>
         </p:xfrm>
         <a:graphic>
           <a:graphicData uri="http://schemas.openxmlformats.org/drawingml/2006/diagram">

--- a/Documents/Project DM and ML Group Orange.pptx
+++ b/Documents/Project DM and ML Group Orange.pptx
@@ -5,7 +5,7 @@
     <p:sldMasterId id="2147483648" r:id="rId1"/>
   </p:sldMasterIdLst>
   <p:notesMasterIdLst>
-    <p:notesMasterId r:id="rId39"/>
+    <p:notesMasterId r:id="rId40"/>
   </p:notesMasterIdLst>
   <p:sldIdLst>
     <p:sldId id="256" r:id="rId2"/>
@@ -38,13 +38,14 @@
     <p:sldId id="292" r:id="rId29"/>
     <p:sldId id="283" r:id="rId30"/>
     <p:sldId id="293" r:id="rId31"/>
-    <p:sldId id="284" r:id="rId32"/>
-    <p:sldId id="294" r:id="rId33"/>
-    <p:sldId id="285" r:id="rId34"/>
-    <p:sldId id="295" r:id="rId35"/>
-    <p:sldId id="286" r:id="rId36"/>
-    <p:sldId id="296" r:id="rId37"/>
-    <p:sldId id="297" r:id="rId38"/>
+    <p:sldId id="298" r:id="rId32"/>
+    <p:sldId id="284" r:id="rId33"/>
+    <p:sldId id="294" r:id="rId34"/>
+    <p:sldId id="285" r:id="rId35"/>
+    <p:sldId id="299" r:id="rId36"/>
+    <p:sldId id="300" r:id="rId37"/>
+    <p:sldId id="301" r:id="rId38"/>
+    <p:sldId id="302" r:id="rId39"/>
   </p:sldIdLst>
   <p:sldSz cx="12192000" cy="6858000"/>
   <p:notesSz cx="6858000" cy="9144000"/>
@@ -4280,15 +4281,7 @@
           </a:pPr>
           <a:r>
             <a:rPr lang="en-US" b="0" i="0" dirty="0"/>
-            <a:t>Delete doubling, usernames and </a:t>
-          </a:r>
-          <a:r>
-            <a:rPr lang="en-US" b="0" i="0" dirty="0" err="1"/>
-            <a:t>hastags</a:t>
-          </a:r>
-          <a:r>
-            <a:rPr lang="en-US" b="0" i="0" dirty="0"/>
-            <a:t> and see a slight decrease in accuracy (0.8003)</a:t>
+            <a:t>Delete doubling, usernames and hashtags and see a slight decrease in accuracy (0.8003)</a:t>
           </a:r>
         </a:p>
       </dgm:t>
@@ -6158,15 +6151,7 @@
           </a:pPr>
           <a:r>
             <a:rPr lang="en-US" sz="2000" b="0" i="0" kern="1200" dirty="0"/>
-            <a:t>Delete doubling, usernames and </a:t>
-          </a:r>
-          <a:r>
-            <a:rPr lang="en-US" sz="2000" b="0" i="0" kern="1200" dirty="0" err="1"/>
-            <a:t>hastags</a:t>
-          </a:r>
-          <a:r>
-            <a:rPr lang="en-US" sz="2000" b="0" i="0" kern="1200" dirty="0"/>
-            <a:t> and see a slight decrease in accuracy (0.8003)</a:t>
+            <a:t>Delete doubling, usernames and hashtags and see a slight decrease in accuracy (0.8003)</a:t>
           </a:r>
         </a:p>
       </dsp:txBody>
@@ -17872,7 +17857,7 @@
             <p:ph idx="1"/>
             <p:extLst>
               <p:ext uri="{D42A27DB-BD31-4B8C-83A1-F6EECF244321}">
-                <p14:modId xmlns:p14="http://schemas.microsoft.com/office/powerpoint/2010/main" val="2128237182"/>
+                <p14:modId xmlns:p14="http://schemas.microsoft.com/office/powerpoint/2010/main" val="1380790415"/>
               </p:ext>
             </p:extLst>
           </p:nvPr>
@@ -33739,6 +33724,126 @@
 <file path=ppt/slides/slide31.xml><?xml version="1.0" encoding="utf-8"?>
 <p:sld xmlns:a="http://schemas.openxmlformats.org/drawingml/2006/main" xmlns:r="http://schemas.openxmlformats.org/officeDocument/2006/relationships" xmlns:p="http://schemas.openxmlformats.org/presentationml/2006/main">
   <p:cSld>
+    <p:spTree>
+      <p:nvGrpSpPr>
+        <p:cNvPr id="1" name=""/>
+        <p:cNvGrpSpPr/>
+        <p:nvPr/>
+      </p:nvGrpSpPr>
+      <p:grpSpPr>
+        <a:xfrm>
+          <a:off x="0" y="0"/>
+          <a:ext cx="0" cy="0"/>
+          <a:chOff x="0" y="0"/>
+          <a:chExt cx="0" cy="0"/>
+        </a:xfrm>
+      </p:grpSpPr>
+      <p:pic>
+        <p:nvPicPr>
+          <p:cNvPr id="4" name="Image 3">
+            <a:extLst>
+              <a:ext uri="{FF2B5EF4-FFF2-40B4-BE49-F238E27FC236}">
+                <a16:creationId xmlns:a16="http://schemas.microsoft.com/office/drawing/2014/main" id="{87FF2751-FEA4-4831-B441-8C086D0C2623}"/>
+              </a:ext>
+            </a:extLst>
+          </p:cNvPr>
+          <p:cNvPicPr>
+            <a:picLocks noChangeAspect="1"/>
+          </p:cNvPicPr>
+          <p:nvPr/>
+        </p:nvPicPr>
+        <p:blipFill>
+          <a:blip r:embed="rId2"/>
+          <a:stretch>
+            <a:fillRect/>
+          </a:stretch>
+        </p:blipFill>
+        <p:spPr>
+          <a:xfrm>
+            <a:off x="801833" y="552977"/>
+            <a:ext cx="5905500" cy="1676400"/>
+          </a:xfrm>
+          <a:prstGeom prst="rect">
+            <a:avLst/>
+          </a:prstGeom>
+        </p:spPr>
+      </p:pic>
+      <p:pic>
+        <p:nvPicPr>
+          <p:cNvPr id="5" name="Image 4">
+            <a:extLst>
+              <a:ext uri="{FF2B5EF4-FFF2-40B4-BE49-F238E27FC236}">
+                <a16:creationId xmlns:a16="http://schemas.microsoft.com/office/drawing/2014/main" id="{124178C9-1738-480A-B04D-27E37594995B}"/>
+              </a:ext>
+            </a:extLst>
+          </p:cNvPr>
+          <p:cNvPicPr>
+            <a:picLocks noChangeAspect="1"/>
+          </p:cNvPicPr>
+          <p:nvPr/>
+        </p:nvPicPr>
+        <p:blipFill>
+          <a:blip r:embed="rId3"/>
+          <a:stretch>
+            <a:fillRect/>
+          </a:stretch>
+        </p:blipFill>
+        <p:spPr>
+          <a:xfrm>
+            <a:off x="8468140" y="1698234"/>
+            <a:ext cx="2577471" cy="3461531"/>
+          </a:xfrm>
+          <a:prstGeom prst="rect">
+            <a:avLst/>
+          </a:prstGeom>
+        </p:spPr>
+      </p:pic>
+      <p:pic>
+        <p:nvPicPr>
+          <p:cNvPr id="6" name="Image 5">
+            <a:extLst>
+              <a:ext uri="{FF2B5EF4-FFF2-40B4-BE49-F238E27FC236}">
+                <a16:creationId xmlns:a16="http://schemas.microsoft.com/office/drawing/2014/main" id="{4433EEEE-F072-4FA3-AEA3-5837F0E084F2}"/>
+              </a:ext>
+            </a:extLst>
+          </p:cNvPr>
+          <p:cNvPicPr>
+            <a:picLocks noChangeAspect="1"/>
+          </p:cNvPicPr>
+          <p:nvPr/>
+        </p:nvPicPr>
+        <p:blipFill>
+          <a:blip r:embed="rId4"/>
+          <a:stretch>
+            <a:fillRect/>
+          </a:stretch>
+        </p:blipFill>
+        <p:spPr>
+          <a:xfrm>
+            <a:off x="949677" y="2333625"/>
+            <a:ext cx="5609812" cy="3810291"/>
+          </a:xfrm>
+          <a:prstGeom prst="rect">
+            <a:avLst/>
+          </a:prstGeom>
+        </p:spPr>
+      </p:pic>
+    </p:spTree>
+    <p:extLst>
+      <p:ext uri="{BB962C8B-B14F-4D97-AF65-F5344CB8AC3E}">
+        <p14:creationId xmlns:p14="http://schemas.microsoft.com/office/powerpoint/2010/main" val="796086569"/>
+      </p:ext>
+    </p:extLst>
+  </p:cSld>
+  <p:clrMapOvr>
+    <a:masterClrMapping/>
+  </p:clrMapOvr>
+</p:sld>
+</file>
+
+<file path=ppt/slides/slide32.xml><?xml version="1.0" encoding="utf-8"?>
+<p:sld xmlns:a="http://schemas.openxmlformats.org/drawingml/2006/main" xmlns:r="http://schemas.openxmlformats.org/officeDocument/2006/relationships" xmlns:p="http://schemas.openxmlformats.org/presentationml/2006/main">
+  <p:cSld>
     <p:bg>
       <p:bgPr>
         <a:solidFill>
@@ -34919,7 +35024,7 @@
 </p:sld>
 </file>
 
-<file path=ppt/slides/slide32.xml><?xml version="1.0" encoding="utf-8"?>
+<file path=ppt/slides/slide33.xml><?xml version="1.0" encoding="utf-8"?>
 <p:sld xmlns:a="http://schemas.openxmlformats.org/drawingml/2006/main" xmlns:r="http://schemas.openxmlformats.org/officeDocument/2006/relationships" xmlns:p="http://schemas.openxmlformats.org/presentationml/2006/main">
   <p:cSld>
     <p:bg>
@@ -35958,7 +36063,7 @@
 </p:sld>
 </file>
 
-<file path=ppt/slides/slide33.xml><?xml version="1.0" encoding="utf-8"?>
+<file path=ppt/slides/slide34.xml><?xml version="1.0" encoding="utf-8"?>
 <p:sld xmlns:a="http://schemas.openxmlformats.org/drawingml/2006/main" xmlns:r="http://schemas.openxmlformats.org/officeDocument/2006/relationships" xmlns:p="http://schemas.openxmlformats.org/presentationml/2006/main">
   <p:cSld>
     <p:bg>
@@ -37122,7 +37227,7 @@
 </p:sld>
 </file>
 
-<file path=ppt/slides/slide34.xml><?xml version="1.0" encoding="utf-8"?>
+<file path=ppt/slides/slide35.xml><?xml version="1.0" encoding="utf-8"?>
 <p:sld xmlns:a="http://schemas.openxmlformats.org/drawingml/2006/main" xmlns:r="http://schemas.openxmlformats.org/officeDocument/2006/relationships" xmlns:p="http://schemas.openxmlformats.org/presentationml/2006/main">
   <p:cSld>
     <p:bg>
@@ -37744,7 +37849,7 @@
             </a:pPr>
             <a:r>
               <a:rPr lang="en-US" sz="2200" dirty="0"/>
-              <a:t>Reduce the feature space with PCA</a:t>
+              <a:t>Reduce the feature space with PCA (1000)</a:t>
             </a:r>
           </a:p>
           <a:p>
@@ -37785,7 +37890,7 @@
             </a:pPr>
             <a:r>
               <a:rPr lang="en-US" sz="2200" dirty="0"/>
-              <a:t>Use keywords to predict the veracity of tweets</a:t>
+              <a:t>Concatenate keywords to text to predict the veracity of tweets</a:t>
             </a:r>
           </a:p>
           <a:p>
@@ -38089,7 +38194,7 @@
     </p:spTree>
     <p:extLst>
       <p:ext uri="{BB962C8B-B14F-4D97-AF65-F5344CB8AC3E}">
-        <p14:creationId xmlns:p14="http://schemas.microsoft.com/office/powerpoint/2010/main" val="99806668"/>
+        <p14:creationId xmlns:p14="http://schemas.microsoft.com/office/powerpoint/2010/main" val="1406642882"/>
       </p:ext>
     </p:extLst>
   </p:cSld>
@@ -38099,7 +38204,7 @@
 </p:sld>
 </file>
 
-<file path=ppt/slides/slide35.xml><?xml version="1.0" encoding="utf-8"?>
+<file path=ppt/slides/slide36.xml><?xml version="1.0" encoding="utf-8"?>
 <p:sld xmlns:a="http://schemas.openxmlformats.org/drawingml/2006/main" xmlns:r="http://schemas.openxmlformats.org/officeDocument/2006/relationships" xmlns:p="http://schemas.openxmlformats.org/presentationml/2006/main">
   <p:cSld>
     <p:bg>
@@ -39253,7 +39358,7 @@
     </p:spTree>
     <p:extLst>
       <p:ext uri="{BB962C8B-B14F-4D97-AF65-F5344CB8AC3E}">
-        <p14:creationId xmlns:p14="http://schemas.microsoft.com/office/powerpoint/2010/main" val="3298943422"/>
+        <p14:creationId xmlns:p14="http://schemas.microsoft.com/office/powerpoint/2010/main" val="3698206871"/>
       </p:ext>
     </p:extLst>
   </p:cSld>
@@ -39263,7 +39368,7 @@
 </p:sld>
 </file>
 
-<file path=ppt/slides/slide36.xml><?xml version="1.0" encoding="utf-8"?>
+<file path=ppt/slides/slide37.xml><?xml version="1.0" encoding="utf-8"?>
 <p:sld xmlns:a="http://schemas.openxmlformats.org/drawingml/2006/main" xmlns:r="http://schemas.openxmlformats.org/officeDocument/2006/relationships" xmlns:p="http://schemas.openxmlformats.org/presentationml/2006/main">
   <p:cSld>
     <p:bg>
@@ -39442,15 +39547,6 @@
               <a:defRPr/>
             </a:pPr>
             <a:r>
-              <a:rPr lang="en-US" sz="5400" b="1" dirty="0">
-                <a:solidFill>
-                  <a:prstClr val="black"/>
-                </a:solidFill>
-                <a:latin typeface="Calibri Light" panose="020F0302020204030204"/>
-              </a:rPr>
-              <a:t>Further </a:t>
-            </a:r>
-            <a:r>
               <a:rPr kumimoji="0" lang="en-US" sz="5400" b="1" i="0" u="none" strike="noStrike" kern="1200" cap="none" spc="0" normalizeH="0" baseline="0" noProof="0" dirty="0">
                 <a:ln>
                   <a:noFill/>
@@ -39465,7 +39561,7 @@
                 <a:ea typeface="+mj-ea"/>
                 <a:cs typeface="+mj-cs"/>
               </a:rPr>
-              <a:t>Improvements</a:t>
+              <a:t>Further Improvements</a:t>
             </a:r>
           </a:p>
         </p:txBody>
@@ -39928,7 +40024,7 @@
             </a:pPr>
             <a:r>
               <a:rPr lang="en-US" sz="2200" dirty="0"/>
-              <a:t>Test other tokenizer : NLTK</a:t>
+              <a:t>Test other tokenizer : NLTK tokenizer</a:t>
             </a:r>
           </a:p>
           <a:p>
@@ -39937,15 +40033,7 @@
             </a:pPr>
             <a:r>
               <a:rPr lang="en-US" sz="2200" dirty="0"/>
-              <a:t>We only test with the </a:t>
-            </a:r>
-            <a:r>
-              <a:rPr lang="en-US" sz="2200" dirty="0" err="1"/>
-              <a:t>opti</a:t>
-            </a:r>
-            <a:r>
-              <a:rPr lang="en-US" sz="2200" dirty="0"/>
-              <a:t>-LR and the accuracy is the same</a:t>
+              <a:t>We only test with the LR and the accuracy is the same (0.8095, after dropping duplicates)</a:t>
             </a:r>
           </a:p>
           <a:p>
@@ -39961,7 +40049,7 @@
             </a:pPr>
             <a:r>
               <a:rPr lang="en-US" sz="2200" dirty="0"/>
-              <a:t>Test other vectorizer : Doc2Word</a:t>
+              <a:t>Test other vectorizer : Doc2Vec (vectorizer)</a:t>
             </a:r>
           </a:p>
           <a:p>
@@ -39970,7 +40058,23 @@
             </a:pPr>
             <a:r>
               <a:rPr lang="en-US" sz="2200" dirty="0"/>
-              <a:t>No improvement</a:t>
+              <a:t>Better result (0.8126) with NLTK WordNet </a:t>
+            </a:r>
+            <a:r>
+              <a:rPr lang="en-US" sz="2200" dirty="0" err="1"/>
+              <a:t>Lemmatizer</a:t>
+            </a:r>
+            <a:r>
+              <a:rPr lang="en-US" sz="2200" dirty="0"/>
+              <a:t>, remove digits, punctuation, </a:t>
+            </a:r>
+            <a:r>
+              <a:rPr lang="en-US" sz="2200" dirty="0" err="1"/>
+              <a:t>stopwords</a:t>
+            </a:r>
+            <a:r>
+              <a:rPr lang="en-US" sz="2200" dirty="0"/>
+              <a:t>, Without removing duplicates (0.7969) Vector size: tried different parameters</a:t>
             </a:r>
           </a:p>
         </p:txBody>
@@ -40204,7 +40308,7 @@
     </p:spTree>
     <p:extLst>
       <p:ext uri="{BB962C8B-B14F-4D97-AF65-F5344CB8AC3E}">
-        <p14:creationId xmlns:p14="http://schemas.microsoft.com/office/powerpoint/2010/main" val="2534995442"/>
+        <p14:creationId xmlns:p14="http://schemas.microsoft.com/office/powerpoint/2010/main" val="2898759428"/>
       </p:ext>
     </p:extLst>
   </p:cSld>
@@ -40214,7 +40318,7 @@
 </p:sld>
 </file>
 
-<file path=ppt/slides/slide37.xml><?xml version="1.0" encoding="utf-8"?>
+<file path=ppt/slides/slide38.xml><?xml version="1.0" encoding="utf-8"?>
 <p:sld xmlns:a="http://schemas.openxmlformats.org/drawingml/2006/main" xmlns:r="http://schemas.openxmlformats.org/officeDocument/2006/relationships" xmlns:p="http://schemas.openxmlformats.org/presentationml/2006/main">
   <p:cSld>
     <p:bg>
@@ -41368,7 +41472,7 @@
     </p:spTree>
     <p:extLst>
       <p:ext uri="{BB962C8B-B14F-4D97-AF65-F5344CB8AC3E}">
-        <p14:creationId xmlns:p14="http://schemas.microsoft.com/office/powerpoint/2010/main" val="1013125578"/>
+        <p14:creationId xmlns:p14="http://schemas.microsoft.com/office/powerpoint/2010/main" val="3692155680"/>
       </p:ext>
     </p:extLst>
   </p:cSld>
